--- a/Pac-Man.pptx
+++ b/Pac-Man.pptx
@@ -108,6 +108,11 @@
       </a:defRPr>
     </a:lvl9pPr>
   </p:defaultTextStyle>
+  <p:extLst>
+    <p:ext uri="{EFAFB233-063F-42B5-8137-9DF3F51BA10A}">
+      <p15:sldGuideLst xmlns:p15="http://schemas.microsoft.com/office/powerpoint/2012/main"/>
+    </p:ext>
+  </p:extLst>
 </p:presentation>
 </file>
 
@@ -6135,7 +6140,9 @@
               <a:t>"</a:t>
             </a:r>
             <a:r>
-              <a:rPr lang="ru-RU" sz="8000" dirty="0" err="1"/>
+              <a:rPr lang="ru-RU" sz="8000" dirty="0" err="1">
+                <a:ea typeface="PerfectDOSVGA437" panose="02000609000000000000" pitchFamily="49" charset="0"/>
+              </a:rPr>
               <a:t>Pac-Man</a:t>
             </a:r>
             <a:r>
